--- a/Dynamic Access Provision.pptx
+++ b/Dynamic Access Provision.pptx
@@ -8,12 +8,12 @@
     <p:sldId id="256" r:id="rId2"/>
     <p:sldId id="257" r:id="rId3"/>
     <p:sldId id="264" r:id="rId4"/>
-    <p:sldId id="265" r:id="rId5"/>
+    <p:sldId id="268" r:id="rId5"/>
     <p:sldId id="262" r:id="rId6"/>
     <p:sldId id="266" r:id="rId7"/>
     <p:sldId id="267" r:id="rId8"/>
-    <p:sldId id="259" r:id="rId9"/>
-    <p:sldId id="260" r:id="rId10"/>
+    <p:sldId id="269" r:id="rId9"/>
+    <p:sldId id="259" r:id="rId10"/>
   </p:sldIdLst>
   <p:sldSz cx="9144000" cy="6858000" type="screen4x3"/>
   <p:notesSz cx="6858000" cy="9144000"/>
@@ -1321,7 +1321,7 @@
           <a:blip r:embed="rId2" cstate="print">
             <a:extLst>
               <a:ext uri="{28A0092B-C50C-407E-A947-70E740481C1C}">
-                <a14:useLocalDpi xmlns:a14="http://schemas.microsoft.com/office/drawing/2010/main" val="0"/>
+                <a14:useLocalDpi xmlns:a14="http://schemas.microsoft.com/office/drawing/2010/main" xmlns="" val="0"/>
               </a:ext>
             </a:extLst>
           </a:blip>
@@ -4684,7 +4684,6 @@
               <a:rPr lang="en-US" sz="1600" dirty="0" smtClean="0"/>
               <a:t>Pramod Shanbhag</a:t>
             </a:r>
-            <a:endParaRPr lang="en-US" sz="1600" dirty="0" smtClean="0"/>
           </a:p>
           <a:p>
             <a:pPr>
@@ -4696,11 +4695,7 @@
             </a:pPr>
             <a:r>
               <a:rPr lang="en-US" sz="1600" dirty="0" smtClean="0"/>
-              <a:t> </a:t>
-            </a:r>
-            <a:r>
-              <a:rPr lang="en-US" sz="1600" dirty="0" smtClean="0"/>
-              <a:t>Abhilash R</a:t>
+              <a:t> Abhilash R</a:t>
             </a:r>
             <a:endParaRPr lang="en-US" sz="1600" dirty="0"/>
           </a:p>
@@ -4754,7 +4749,7 @@
           <a:blip r:embed="rId2" cstate="print">
             <a:extLst>
               <a:ext uri="{28A0092B-C50C-407E-A947-70E740481C1C}">
-                <a14:useLocalDpi xmlns:a14="http://schemas.microsoft.com/office/drawing/2010/main" val="0"/>
+                <a14:useLocalDpi xmlns:a14="http://schemas.microsoft.com/office/drawing/2010/main" xmlns="" val="0"/>
               </a:ext>
             </a:extLst>
           </a:blip>
@@ -4823,7 +4818,7 @@
           <a:p>
             <a:r>
               <a:rPr lang="en-US" sz="4000" dirty="0" smtClean="0"/>
-              <a:t>The Problem</a:t>
+              <a:t>Problem</a:t>
             </a:r>
             <a:endParaRPr lang="en-US" sz="4000" dirty="0"/>
           </a:p>
@@ -4839,23 +4834,53 @@
             <p:ph idx="1"/>
           </p:nvPr>
         </p:nvSpPr>
-        <p:spPr/>
+        <p:spPr>
+          <a:xfrm>
+            <a:off x="228600" y="1481328"/>
+            <a:ext cx="8686800" cy="4525963"/>
+          </a:xfrm>
+        </p:spPr>
         <p:txBody>
           <a:bodyPr>
-            <a:normAutofit lnSpcReduction="10000"/>
+            <a:normAutofit/>
           </a:bodyPr>
           <a:lstStyle/>
           <a:p>
             <a:r>
               <a:rPr lang="en-US" dirty="0" smtClean="0"/>
-              <a:t>Selective Access Provisioning is complex</a:t>
-            </a:r>
+              <a:t>Selective </a:t>
+            </a:r>
+            <a:r>
+              <a:rPr lang="en-US" dirty="0" smtClean="0"/>
+              <a:t>Access </a:t>
+            </a:r>
+            <a:r>
+              <a:rPr lang="en-US" dirty="0" smtClean="0"/>
+              <a:t>Provisioning</a:t>
+            </a:r>
+            <a:endParaRPr lang="en-US" dirty="0" smtClean="0"/>
           </a:p>
           <a:p>
             <a:pPr lvl="1"/>
             <a:r>
-              <a:rPr lang="en-US" dirty="0" smtClean="0"/>
-              <a:t>‘Employees’ should have access to servers &amp; internet, while the ‘Guests’ have internet-only access</a:t>
+              <a:rPr lang="en-US" sz="1800" dirty="0" smtClean="0"/>
+              <a:t>Employees </a:t>
+            </a:r>
+            <a:r>
+              <a:rPr lang="en-US" sz="1800" dirty="0" smtClean="0"/>
+              <a:t>should have access to servers &amp; internet, while the </a:t>
+            </a:r>
+            <a:r>
+              <a:rPr lang="en-US" sz="1800" dirty="0" smtClean="0"/>
+              <a:t>g</a:t>
+            </a:r>
+            <a:r>
+              <a:rPr lang="en-US" sz="1800" dirty="0" smtClean="0"/>
+              <a:t>uests should have </a:t>
+            </a:r>
+            <a:r>
+              <a:rPr lang="en-US" sz="1800" dirty="0" smtClean="0"/>
+              <a:t>internet-only access</a:t>
             </a:r>
           </a:p>
           <a:p>
@@ -4872,24 +4897,33 @@
               <a:buChar char=""/>
             </a:pPr>
             <a:r>
+              <a:rPr lang="en-US" sz="2700" dirty="0" smtClean="0"/>
+              <a:t>Selective </a:t>
+            </a:r>
+            <a:r>
               <a:rPr lang="en-US" sz="2700" dirty="0"/>
-              <a:t>Selective Access Control is </a:t>
+              <a:t>Access </a:t>
             </a:r>
             <a:r>
               <a:rPr lang="en-US" sz="2700" dirty="0" smtClean="0"/>
-              <a:t>complex</a:t>
-            </a:r>
+              <a:t>Control </a:t>
+            </a:r>
+            <a:endParaRPr lang="en-US" sz="2700" dirty="0" smtClean="0"/>
           </a:p>
           <a:p>
             <a:pPr lvl="1">
               <a:buSzPct val="68000"/>
             </a:pPr>
             <a:r>
-              <a:rPr lang="en-US" dirty="0"/>
-              <a:t>Allowing ‘Guest’ access only for few </a:t>
-            </a:r>
-            <a:r>
-              <a:rPr lang="en-US" dirty="0" smtClean="0"/>
+              <a:rPr lang="en-US" sz="1800" dirty="0" smtClean="0"/>
+              <a:t>Allowing only guest access for </a:t>
+            </a:r>
+            <a:r>
+              <a:rPr lang="en-US" sz="1800" dirty="0"/>
+              <a:t>few </a:t>
+            </a:r>
+            <a:r>
+              <a:rPr lang="en-US" sz="1800" dirty="0" smtClean="0"/>
               <a:t>hours</a:t>
             </a:r>
           </a:p>
@@ -4910,27 +4944,40 @@
             </a:pPr>
             <a:r>
               <a:rPr lang="en-US" sz="2700" dirty="0"/>
-              <a:t>Access control using ‘macs’ and ‘IPs‘ </a:t>
+              <a:t>Access control using </a:t>
             </a:r>
             <a:r>
               <a:rPr lang="en-US" sz="2700" dirty="0" smtClean="0"/>
-              <a:t>complex</a:t>
-            </a:r>
+              <a:t>‘</a:t>
+            </a:r>
+            <a:r>
+              <a:rPr lang="en-US" sz="2700" dirty="0" err="1" smtClean="0"/>
+              <a:t>MACs</a:t>
+            </a:r>
+            <a:r>
+              <a:rPr lang="en-US" sz="2700" dirty="0" err="1"/>
+              <a:t>’</a:t>
+            </a:r>
+            <a:r>
+              <a:rPr lang="en-US" sz="2700" dirty="0"/>
+              <a:t> and ‘IPs‘ </a:t>
+            </a:r>
+            <a:r>
+              <a:rPr lang="en-US" sz="2700" dirty="0" smtClean="0"/>
+              <a:t> </a:t>
+            </a:r>
+            <a:endParaRPr lang="en-US" sz="2700" dirty="0" smtClean="0"/>
           </a:p>
           <a:p>
             <a:pPr lvl="1">
               <a:buSzPct val="68000"/>
             </a:pPr>
             <a:r>
-              <a:rPr lang="en-US" dirty="0"/>
-              <a:t>Allow ‘</a:t>
-            </a:r>
-            <a:r>
-              <a:rPr lang="en-US" dirty="0"/>
-              <a:t>172.10.176.25’  or block ‘5e:ee:75:63:9f:ac</a:t>
-            </a:r>
-            <a:r>
-              <a:rPr lang="en-US" dirty="0" smtClean="0"/>
+              <a:rPr lang="en-US" sz="1800" dirty="0"/>
+              <a:t>Allow ‘172.10.176.25’  or block ‘5e:ee:75:63:9f:ac</a:t>
+            </a:r>
+            <a:r>
+              <a:rPr lang="en-US" sz="1800" dirty="0" smtClean="0"/>
               <a:t>’</a:t>
             </a:r>
           </a:p>
@@ -4950,14 +4997,13 @@
               <a:buChar char=""/>
             </a:pPr>
             <a:r>
-              <a:rPr lang="en-US" dirty="0" smtClean="0"/>
+              <a:rPr lang="en-US" sz="2700" dirty="0" smtClean="0"/>
               <a:t>N</a:t>
             </a:r>
             <a:r>
               <a:rPr lang="en-US" sz="2700" dirty="0"/>
               <a:t>o centralized view of the Access Network</a:t>
             </a:r>
-            <a:endParaRPr lang="en-US" sz="2700" dirty="0"/>
           </a:p>
           <a:p>
             <a:pPr marL="603504" lvl="2" indent="-256032">
@@ -5027,63 +5073,114 @@
             <p:ph idx="1"/>
           </p:nvPr>
         </p:nvSpPr>
-        <p:spPr/>
+        <p:spPr>
+          <a:xfrm>
+            <a:off x="457200" y="1481328"/>
+            <a:ext cx="8458200" cy="4525963"/>
+          </a:xfrm>
+        </p:spPr>
         <p:txBody>
           <a:bodyPr>
-            <a:normAutofit fontScale="92500" lnSpcReduction="10000"/>
+            <a:normAutofit/>
           </a:bodyPr>
           <a:lstStyle/>
           <a:p>
             <a:r>
               <a:rPr lang="en-IN" dirty="0" smtClean="0"/>
-              <a:t>Admin defines Access Policies for user/user group</a:t>
-            </a:r>
-          </a:p>
-          <a:p>
-            <a:pPr lvl="1"/>
+              <a:t>Admin defines </a:t>
+            </a:r>
             <a:r>
               <a:rPr lang="en-IN" dirty="0" smtClean="0"/>
-              <a:t>Admin UI</a:t>
-            </a:r>
-          </a:p>
-          <a:p>
+              <a:t>the Access </a:t>
+            </a:r>
             <a:r>
               <a:rPr lang="en-IN" dirty="0" smtClean="0"/>
-              <a:t>User trying to access network, is redirected to Authentication Server</a:t>
-            </a:r>
-          </a:p>
-          <a:p>
-            <a:pPr lvl="1"/>
+              <a:t>Policies for </a:t>
+            </a:r>
             <a:r>
               <a:rPr lang="en-IN" dirty="0" smtClean="0"/>
-              <a:t>Packet redirection using header re-write flows.</a:t>
-            </a:r>
-          </a:p>
-          <a:p>
+              <a:t>Users and </a:t>
+            </a:r>
             <a:r>
               <a:rPr lang="en-IN" dirty="0" smtClean="0"/>
-              <a:t>Authentication Server informs SDN Controller on successful authentication.</a:t>
-            </a:r>
-          </a:p>
-          <a:p>
-            <a:pPr lvl="1"/>
+              <a:t>U</a:t>
+            </a:r>
             <a:r>
               <a:rPr lang="en-IN" dirty="0" smtClean="0"/>
-              <a:t>REST APIs</a:t>
-            </a:r>
+              <a:t>ser Groups through the Admin UI.</a:t>
+            </a:r>
+            <a:endParaRPr lang="en-IN" dirty="0" smtClean="0"/>
           </a:p>
           <a:p>
             <a:r>
               <a:rPr lang="en-IN" dirty="0" smtClean="0"/>
-              <a:t>SDN Controller provisions and manages Access based on defined Policies.</a:t>
-            </a:r>
-          </a:p>
-          <a:p>
-            <a:pPr lvl="1"/>
+              <a:t>User trying to access </a:t>
+            </a:r>
             <a:r>
               <a:rPr lang="en-IN" dirty="0" smtClean="0"/>
-              <a:t>Flow program </a:t>
-            </a:r>
+              <a:t>network is </a:t>
+            </a:r>
+            <a:r>
+              <a:rPr lang="en-IN" dirty="0" smtClean="0"/>
+              <a:t>redirected to Authentication </a:t>
+            </a:r>
+            <a:r>
+              <a:rPr lang="en-IN" dirty="0" smtClean="0"/>
+              <a:t>Server. The packet </a:t>
+            </a:r>
+            <a:r>
+              <a:rPr lang="en-IN" dirty="0" smtClean="0"/>
+              <a:t>redirection </a:t>
+            </a:r>
+            <a:r>
+              <a:rPr lang="en-IN" dirty="0" smtClean="0"/>
+              <a:t>is done using </a:t>
+            </a:r>
+            <a:r>
+              <a:rPr lang="en-IN" dirty="0" smtClean="0"/>
+              <a:t>header re-write flows.</a:t>
+            </a:r>
+          </a:p>
+          <a:p>
+            <a:r>
+              <a:rPr lang="en-IN" dirty="0" smtClean="0"/>
+              <a:t>Authentication </a:t>
+            </a:r>
+            <a:r>
+              <a:rPr lang="en-IN" dirty="0" smtClean="0"/>
+              <a:t>server </a:t>
+            </a:r>
+            <a:r>
+              <a:rPr lang="en-IN" dirty="0" smtClean="0"/>
+              <a:t>informs SDN Controller on successful </a:t>
+            </a:r>
+            <a:r>
+              <a:rPr lang="en-IN" dirty="0" smtClean="0"/>
+              <a:t>authentication using REST APIs.</a:t>
+            </a:r>
+          </a:p>
+          <a:p>
+            <a:r>
+              <a:rPr lang="en-IN" dirty="0" smtClean="0"/>
+              <a:t>SDN </a:t>
+            </a:r>
+            <a:r>
+              <a:rPr lang="en-IN" dirty="0" smtClean="0"/>
+              <a:t>Controller provisions and manages Access based on defined </a:t>
+            </a:r>
+            <a:r>
+              <a:rPr lang="en-IN" dirty="0" smtClean="0"/>
+              <a:t>Access Policies by programming the </a:t>
+            </a:r>
+            <a:r>
+              <a:rPr lang="en-IN" i="1" dirty="0" smtClean="0"/>
+              <a:t>flows</a:t>
+            </a:r>
+            <a:r>
+              <a:rPr lang="en-IN" dirty="0" smtClean="0"/>
+              <a:t>.</a:t>
+            </a:r>
+            <a:endParaRPr lang="en-IN" dirty="0" smtClean="0"/>
           </a:p>
         </p:txBody>
       </p:sp>
@@ -5115,7 +5212,7 @@
     </p:spTree>
     <p:extLst>
       <p:ext uri="{BB962C8B-B14F-4D97-AF65-F5344CB8AC3E}">
-        <p14:creationId xmlns:p14="http://schemas.microsoft.com/office/powerpoint/2010/main" val="3115798872"/>
+        <p14:creationId xmlns:p14="http://schemas.microsoft.com/office/powerpoint/2010/main" xmlns="" val="3115798872"/>
       </p:ext>
     </p:extLst>
   </p:cSld>
@@ -5190,10 +5287,10 @@
           </p:nvPr>
         </p:nvPicPr>
         <p:blipFill>
-          <a:blip r:embed="rId2">
+          <a:blip r:embed="rId2" cstate="print">
             <a:extLst>
               <a:ext uri="{28A0092B-C50C-407E-A947-70E740481C1C}">
-                <a14:useLocalDpi xmlns:a14="http://schemas.microsoft.com/office/drawing/2010/main" val="0"/>
+                <a14:useLocalDpi xmlns:a14="http://schemas.microsoft.com/office/drawing/2010/main" xmlns="" val="0"/>
               </a:ext>
             </a:extLst>
           </a:blip>
@@ -5382,7 +5479,7 @@
       </p:sp>
       <p:grpSp>
         <p:nvGrpSpPr>
-          <p:cNvPr id="14" name="Group 13"/>
+          <p:cNvPr id="3" name="Group 13"/>
           <p:cNvGrpSpPr/>
           <p:nvPr/>
         </p:nvGrpSpPr>
@@ -5406,7 +5503,7 @@
             <a:blip r:embed="rId3" cstate="print">
               <a:extLst>
                 <a:ext uri="{28A0092B-C50C-407E-A947-70E740481C1C}">
-                  <a14:useLocalDpi xmlns:a14="http://schemas.microsoft.com/office/drawing/2010/main" val="0"/>
+                  <a14:useLocalDpi xmlns:a14="http://schemas.microsoft.com/office/drawing/2010/main" xmlns="" val="0"/>
                 </a:ext>
               </a:extLst>
             </a:blip>
@@ -5426,7 +5523,7 @@
             <a:noFill/>
             <a:extLst>
               <a:ext uri="{909E8E84-426E-40DD-AFC4-6F175D3DCCD1}">
-                <a14:hiddenFill xmlns:a14="http://schemas.microsoft.com/office/drawing/2010/main">
+                <a14:hiddenFill xmlns:a14="http://schemas.microsoft.com/office/drawing/2010/main" xmlns="">
                   <a:solidFill>
                     <a:srgbClr val="FFFFFF"/>
                   </a:solidFill>
@@ -5447,7 +5544,7 @@
             <a:blip r:embed="rId4" cstate="print">
               <a:extLst>
                 <a:ext uri="{28A0092B-C50C-407E-A947-70E740481C1C}">
-                  <a14:useLocalDpi xmlns:a14="http://schemas.microsoft.com/office/drawing/2010/main" val="0"/>
+                  <a14:useLocalDpi xmlns:a14="http://schemas.microsoft.com/office/drawing/2010/main" xmlns="" val="0"/>
                 </a:ext>
               </a:extLst>
             </a:blip>
@@ -5467,7 +5564,7 @@
             <a:noFill/>
             <a:extLst>
               <a:ext uri="{909E8E84-426E-40DD-AFC4-6F175D3DCCD1}">
-                <a14:hiddenFill xmlns:a14="http://schemas.microsoft.com/office/drawing/2010/main">
+                <a14:hiddenFill xmlns:a14="http://schemas.microsoft.com/office/drawing/2010/main" xmlns="">
                   <a:solidFill>
                     <a:srgbClr val="FFFFFF"/>
                   </a:solidFill>
@@ -5641,7 +5738,7 @@
           <a:blip r:embed="rId5" cstate="print">
             <a:extLst>
               <a:ext uri="{28A0092B-C50C-407E-A947-70E740481C1C}">
-                <a14:useLocalDpi xmlns:a14="http://schemas.microsoft.com/office/drawing/2010/main" val="0"/>
+                <a14:useLocalDpi xmlns:a14="http://schemas.microsoft.com/office/drawing/2010/main" xmlns="" val="0"/>
               </a:ext>
             </a:extLst>
           </a:blip>
@@ -5661,7 +5758,7 @@
           <a:noFill/>
           <a:extLst>
             <a:ext uri="{909E8E84-426E-40DD-AFC4-6F175D3DCCD1}">
-              <a14:hiddenFill xmlns:a14="http://schemas.microsoft.com/office/drawing/2010/main">
+              <a14:hiddenFill xmlns:a14="http://schemas.microsoft.com/office/drawing/2010/main" xmlns="">
                 <a:solidFill>
                   <a:srgbClr val="FFFFFF"/>
                 </a:solidFill>
@@ -5865,7 +5962,7 @@
     </p:spTree>
     <p:extLst>
       <p:ext uri="{BB962C8B-B14F-4D97-AF65-F5344CB8AC3E}">
-        <p14:creationId xmlns:p14="http://schemas.microsoft.com/office/powerpoint/2010/main" val="3888959655"/>
+        <p14:creationId xmlns:p14="http://schemas.microsoft.com/office/powerpoint/2010/main" xmlns="" val="3888959655"/>
       </p:ext>
     </p:extLst>
   </p:cSld>
@@ -6193,7 +6290,7 @@
                                           </p:stCondLst>
                                         </p:cTn>
                                         <p:tgtEl>
-                                          <p:spTgt spid="14"/>
+                                          <p:spTgt spid="3"/>
                                         </p:tgtEl>
                                         <p:attrNameLst>
                                           <p:attrName>style.visibility</p:attrName>
@@ -6209,7 +6306,7 @@
                                       <p:cBhvr override="childStyle">
                                         <p:cTn dur="1" fill="hold" display="0" masterRel="nextClick" afterEffect="1"/>
                                         <p:tgtEl>
-                                          <p:spTgt spid="14"/>
+                                          <p:spTgt spid="3"/>
                                         </p:tgtEl>
                                         <p:attrNameLst>
                                           <p:attrName>style.visibility</p:attrName>
@@ -6722,12 +6819,140 @@
             <p:ph idx="1"/>
           </p:nvPr>
         </p:nvSpPr>
-        <p:spPr/>
+        <p:spPr>
+          <a:xfrm>
+            <a:off x="457200" y="1481329"/>
+            <a:ext cx="8229600" cy="4386072"/>
+          </a:xfrm>
+        </p:spPr>
         <p:txBody>
           <a:bodyPr/>
           <a:lstStyle/>
           <a:p>
-            <a:endParaRPr lang="en-US"/>
+            <a:r>
+              <a:rPr lang="en-US" dirty="0" smtClean="0"/>
+              <a:t>Covered the f</a:t>
+            </a:r>
+            <a:r>
+              <a:rPr lang="en-US" dirty="0" smtClean="0"/>
+              <a:t>ollowing Use Cases:</a:t>
+            </a:r>
+          </a:p>
+          <a:p>
+            <a:pPr lvl="1"/>
+            <a:r>
+              <a:rPr lang="en-US" dirty="0" smtClean="0"/>
+              <a:t>Admin creates Guest and Employee and defines the Access Policies. </a:t>
+            </a:r>
+          </a:p>
+          <a:p>
+            <a:pPr lvl="1"/>
+            <a:r>
+              <a:rPr lang="en-US" dirty="0" smtClean="0"/>
+              <a:t>After authentication, </a:t>
+            </a:r>
+            <a:r>
+              <a:rPr lang="en-US" dirty="0" smtClean="0"/>
+              <a:t>with Guest login</a:t>
+            </a:r>
+            <a:r>
+              <a:rPr lang="en-US" dirty="0" smtClean="0"/>
+              <a:t>,  users can only </a:t>
+            </a:r>
+            <a:r>
+              <a:rPr lang="en-US" dirty="0" smtClean="0"/>
+              <a:t>access </a:t>
+            </a:r>
+            <a:r>
+              <a:rPr lang="en-US" dirty="0" smtClean="0"/>
+              <a:t>the external </a:t>
+            </a:r>
+            <a:r>
+              <a:rPr lang="en-US" dirty="0" smtClean="0"/>
+              <a:t>s</a:t>
+            </a:r>
+            <a:r>
+              <a:rPr lang="en-US" dirty="0" smtClean="0"/>
+              <a:t>erver</a:t>
+            </a:r>
+            <a:endParaRPr lang="en-US" dirty="0" smtClean="0"/>
+          </a:p>
+          <a:p>
+            <a:pPr lvl="1"/>
+            <a:r>
+              <a:rPr lang="en-US" dirty="0" smtClean="0"/>
+              <a:t>After authentication, with E</a:t>
+            </a:r>
+            <a:r>
+              <a:rPr lang="en-US" dirty="0" smtClean="0"/>
+              <a:t>mployee login</a:t>
+            </a:r>
+            <a:r>
+              <a:rPr lang="en-US" dirty="0" smtClean="0"/>
+              <a:t>,  users can </a:t>
+            </a:r>
+            <a:r>
+              <a:rPr lang="en-US" dirty="0" smtClean="0"/>
+              <a:t>access both the internal and external </a:t>
+            </a:r>
+            <a:r>
+              <a:rPr lang="en-US" dirty="0" smtClean="0"/>
+              <a:t>server</a:t>
+            </a:r>
+          </a:p>
+          <a:p>
+            <a:pPr marL="365760" lvl="1" indent="-256032">
+              <a:spcBef>
+                <a:spcPts val="400"/>
+              </a:spcBef>
+              <a:buSzPct val="68000"/>
+              <a:buFont typeface="Wingdings 3"/>
+              <a:buChar char=""/>
+            </a:pPr>
+            <a:r>
+              <a:rPr lang="en-US" sz="2700" dirty="0" smtClean="0"/>
+              <a:t>  </a:t>
+            </a:r>
+            <a:r>
+              <a:rPr lang="en-US" dirty="0" smtClean="0"/>
+              <a:t>Admin </a:t>
+            </a:r>
+            <a:r>
+              <a:rPr lang="en-US" dirty="0"/>
+              <a:t>deletes </a:t>
+            </a:r>
+            <a:r>
+              <a:rPr lang="en-US" dirty="0" smtClean="0"/>
+              <a:t>the Guest user ID and gues</a:t>
+            </a:r>
+            <a:r>
+              <a:rPr lang="en-US" dirty="0" smtClean="0"/>
+              <a:t>t will not </a:t>
+            </a:r>
+            <a:br>
+              <a:rPr lang="en-US" dirty="0" smtClean="0"/>
+            </a:br>
+            <a:r>
+              <a:rPr lang="en-US" dirty="0" smtClean="0"/>
+              <a:t>  be able to </a:t>
+            </a:r>
+            <a:r>
+              <a:rPr lang="en-US" dirty="0" smtClean="0"/>
+              <a:t>access </a:t>
+            </a:r>
+            <a:r>
+              <a:rPr lang="en-US" dirty="0"/>
+              <a:t>the </a:t>
+            </a:r>
+            <a:r>
+              <a:rPr lang="en-US" dirty="0" smtClean="0"/>
+              <a:t>network.</a:t>
+            </a:r>
+            <a:endParaRPr lang="en-US" dirty="0"/>
+          </a:p>
+          <a:p>
+            <a:pPr lvl="1"/>
+            <a:endParaRPr lang="en-US" dirty="0" smtClean="0"/>
           </a:p>
         </p:txBody>
       </p:sp>
@@ -6798,10 +7023,15 @@
             <p:ph idx="1"/>
           </p:nvPr>
         </p:nvSpPr>
-        <p:spPr/>
+        <p:spPr>
+          <a:xfrm>
+            <a:off x="457200" y="1481329"/>
+            <a:ext cx="8229600" cy="4309872"/>
+          </a:xfrm>
+        </p:spPr>
         <p:txBody>
           <a:bodyPr>
-            <a:normAutofit lnSpcReduction="10000"/>
+            <a:normAutofit fontScale="92500" lnSpcReduction="10000"/>
           </a:bodyPr>
           <a:lstStyle/>
           <a:p>
@@ -6813,18 +7043,46 @@
           <a:p>
             <a:pPr lvl="1"/>
             <a:r>
+              <a:rPr lang="en-IN" dirty="0" smtClean="0"/>
+              <a:t>Role based access – Access the same </a:t>
+            </a:r>
+            <a:r>
+              <a:rPr lang="en-IN" dirty="0" smtClean="0"/>
+              <a:t>network   differently</a:t>
+            </a:r>
+            <a:r>
               <a:rPr lang="en-IN" dirty="0"/>
-              <a:t>‘Same’ hotel network can be accessed ‘differently’</a:t>
-            </a:r>
-          </a:p>
-          <a:p>
-            <a:pPr marL="457200" lvl="1" indent="0">
-              <a:buNone/>
-            </a:pPr>
+              <a:t> </a:t>
+            </a:r>
+            <a:r>
+              <a:rPr lang="en-IN" dirty="0" smtClean="0"/>
+              <a:t>by</a:t>
+            </a:r>
+            <a:r>
+              <a:rPr lang="en-IN" dirty="0" smtClean="0"/>
+              <a:t> Employee</a:t>
+            </a:r>
             <a:r>
               <a:rPr lang="en-IN" dirty="0"/>
-              <a:t>by ‘Employee’ and ‘Guest’. </a:t>
-            </a:r>
+              <a:t>s</a:t>
+            </a:r>
+            <a:r>
+              <a:rPr lang="en-IN" dirty="0" smtClean="0"/>
+              <a:t> </a:t>
+            </a:r>
+            <a:r>
+              <a:rPr lang="en-IN" dirty="0"/>
+              <a:t>and </a:t>
+            </a:r>
+            <a:r>
+              <a:rPr lang="en-IN" dirty="0" smtClean="0"/>
+              <a:t>Guest</a:t>
+            </a:r>
+            <a:r>
+              <a:rPr lang="en-IN" dirty="0" smtClean="0"/>
+              <a:t>s.</a:t>
+            </a:r>
+            <a:endParaRPr lang="en-IN" dirty="0"/>
           </a:p>
           <a:p>
             <a:r>
@@ -6836,7 +7094,15 @@
             <a:pPr lvl="1"/>
             <a:r>
               <a:rPr lang="en-IN" dirty="0"/>
-              <a:t>Manage Guest access with check-in/check-out</a:t>
+              <a:t>Manage </a:t>
+            </a:r>
+            <a:r>
+              <a:rPr lang="en-IN" dirty="0" smtClean="0"/>
+              <a:t>the Guest </a:t>
+            </a:r>
+            <a:r>
+              <a:rPr lang="en-IN" dirty="0"/>
+              <a:t>access with check-in/check-out</a:t>
             </a:r>
           </a:p>
           <a:p>
@@ -6850,23 +7116,36 @@
             </a:pPr>
             <a:r>
               <a:rPr lang="en-IN" sz="2700" dirty="0"/>
-              <a:t>‘User’ centric Policies </a:t>
+              <a:t>‘User’ </a:t>
+            </a:r>
+            <a:r>
+              <a:rPr lang="en-IN" sz="2700" dirty="0" smtClean="0"/>
+              <a:t>Centric </a:t>
+            </a:r>
+            <a:r>
+              <a:rPr lang="en-IN" sz="2700" dirty="0"/>
+              <a:t>Policies </a:t>
             </a:r>
           </a:p>
           <a:p>
             <a:pPr lvl="1"/>
             <a:r>
               <a:rPr lang="en-IN" dirty="0"/>
-              <a:t>Manage policies for ‘Users/</a:t>
-            </a:r>
-            <a:r>
-              <a:rPr lang="en-IN" dirty="0" err="1"/>
-              <a:t>UserGroup</a:t>
+              <a:t>Manage policies for </a:t>
+            </a:r>
+            <a:r>
+              <a:rPr lang="en-IN" dirty="0" smtClean="0"/>
+              <a:t>Users and User Groups </a:t>
             </a:r>
             <a:r>
               <a:rPr lang="en-IN" dirty="0"/>
-              <a:t>’ – not ‘macs’ or ‘IPs’</a:t>
-            </a:r>
+              <a:t>– not </a:t>
+            </a:r>
+            <a:r>
+              <a:rPr lang="en-IN" dirty="0" smtClean="0"/>
+              <a:t>MACs or IP addresses</a:t>
+            </a:r>
+            <a:endParaRPr lang="en-IN" dirty="0"/>
           </a:p>
           <a:p>
             <a:pPr marL="365760" lvl="1" indent="-256032">
@@ -6885,13 +7164,18 @@
           <a:p>
             <a:pPr lvl="1"/>
             <a:r>
+              <a:rPr lang="en-IN" dirty="0" smtClean="0"/>
+              <a:t>Centralized monitoring </a:t>
+            </a:r>
+            <a:r>
               <a:rPr lang="en-IN" dirty="0"/>
-              <a:t>‘Centralized’ monitoring for ‘Intrusion</a:t>
+              <a:t>for </a:t>
             </a:r>
             <a:r>
               <a:rPr lang="en-IN" dirty="0" smtClean="0"/>
-              <a:t>’</a:t>
-            </a:r>
+              <a:t>Intrusion</a:t>
+            </a:r>
+            <a:endParaRPr lang="en-IN" dirty="0" smtClean="0"/>
           </a:p>
           <a:p>
             <a:pPr marL="365760" lvl="1" indent="-256032">
@@ -6903,16 +7187,21 @@
               <a:buChar char=""/>
             </a:pPr>
             <a:r>
-              <a:rPr lang="en-IN" sz="2700" smtClean="0"/>
+              <a:rPr lang="en-IN" sz="2700" dirty="0" smtClean="0"/>
               <a:t>REST API </a:t>
             </a:r>
             <a:r>
               <a:rPr lang="en-IN" sz="2700" dirty="0"/>
-              <a:t>based – Integration and extensible</a:t>
-            </a:r>
-            <a:endParaRPr lang="en-IN" sz="2700" dirty="0"/>
-          </a:p>
-          <a:p>
+              <a:t>based </a:t>
+            </a:r>
+            <a:r>
+              <a:rPr lang="en-IN" sz="2700" dirty="0" smtClean="0"/>
+              <a:t>approach, so it can be integrated with other solutions</a:t>
+            </a:r>
+            <a:r>
+              <a:rPr lang="en-IN" sz="2700" dirty="0" smtClean="0"/>
+              <a:t>.</a:t>
+            </a:r>
             <a:endParaRPr lang="en-US" dirty="0"/>
           </a:p>
         </p:txBody>
@@ -6945,7 +7234,7 @@
     </p:spTree>
     <p:extLst>
       <p:ext uri="{BB962C8B-B14F-4D97-AF65-F5344CB8AC3E}">
-        <p14:creationId xmlns:p14="http://schemas.microsoft.com/office/powerpoint/2010/main" val="3588453380"/>
+        <p14:creationId xmlns:p14="http://schemas.microsoft.com/office/powerpoint/2010/main" xmlns="" val="3588453380"/>
       </p:ext>
     </p:extLst>
   </p:cSld>
@@ -6989,7 +7278,12 @@
             <p:ph idx="1"/>
           </p:nvPr>
         </p:nvSpPr>
-        <p:spPr/>
+        <p:spPr>
+          <a:xfrm>
+            <a:off x="381000" y="2209800"/>
+            <a:ext cx="8229600" cy="3166872"/>
+          </a:xfrm>
+        </p:spPr>
         <p:txBody>
           <a:bodyPr/>
           <a:lstStyle/>
@@ -7016,7 +7310,15 @@
             <a:pPr lvl="1"/>
             <a:r>
               <a:rPr lang="en-IN" dirty="0"/>
-              <a:t>Access ‘changes’ at different times of day. </a:t>
+              <a:t>Access ‘changes’ at different times </a:t>
+            </a:r>
+            <a:r>
+              <a:rPr lang="en-IN" dirty="0" smtClean="0"/>
+              <a:t>of a </a:t>
+            </a:r>
+            <a:r>
+              <a:rPr lang="en-IN" dirty="0"/>
+              <a:t>day. </a:t>
             </a:r>
           </a:p>
           <a:p>
@@ -7062,45 +7364,6 @@
             <a:endParaRPr lang="en-IN" dirty="0" smtClean="0"/>
           </a:p>
           <a:p>
-            <a:pPr marL="109728" lvl="1" indent="0">
-              <a:spcBef>
-                <a:spcPts val="400"/>
-              </a:spcBef>
-              <a:buSzPct val="68000"/>
-              <a:buNone/>
-            </a:pPr>
-            <a:r>
-              <a:rPr lang="en-IN" sz="2700" u="sng" dirty="0"/>
-              <a:t>Project : </a:t>
-            </a:r>
-            <a:endParaRPr lang="en-IN" sz="2700" u="sng" dirty="0" smtClean="0"/>
-          </a:p>
-          <a:p>
-            <a:pPr lvl="1">
-              <a:buSzPct val="68000"/>
-            </a:pPr>
-            <a:r>
-              <a:rPr lang="en-IN" u="sng" dirty="0">
-                <a:solidFill>
-                  <a:schemeClr val="accent6">
-                    <a:lumMod val="75000"/>
-                  </a:schemeClr>
-                </a:solidFill>
-              </a:rPr>
-              <a:t>https://</a:t>
-            </a:r>
-            <a:r>
-              <a:rPr lang="en-IN" u="sng" dirty="0" smtClean="0">
-                <a:solidFill>
-                  <a:schemeClr val="accent6">
-                    <a:lumMod val="75000"/>
-                  </a:schemeClr>
-                </a:solidFill>
-              </a:rPr>
-              <a:t>github.com/onfsdn/access_prov</a:t>
-            </a:r>
-          </a:p>
-          <a:p>
             <a:pPr lvl="1">
               <a:buSzPct val="68000"/>
             </a:pPr>
@@ -7143,7 +7406,7 @@
     </p:spTree>
     <p:extLst>
       <p:ext uri="{BB962C8B-B14F-4D97-AF65-F5344CB8AC3E}">
-        <p14:creationId xmlns:p14="http://schemas.microsoft.com/office/powerpoint/2010/main" val="3588453380"/>
+        <p14:creationId xmlns:p14="http://schemas.microsoft.com/office/powerpoint/2010/main" xmlns="" val="3588453380"/>
       </p:ext>
     </p:extLst>
   </p:cSld>
@@ -7185,8 +7448,8 @@
         </p:nvSpPr>
         <p:spPr>
           <a:xfrm>
-            <a:off x="3299500" y="2438400"/>
-            <a:ext cx="2771913" cy="1200329"/>
+            <a:off x="609600" y="1295400"/>
+            <a:ext cx="7924800" cy="3077766"/>
           </a:xfrm>
           <a:prstGeom prst="rect">
             <a:avLst/>
@@ -7194,14 +7457,18 @@
           <a:noFill/>
         </p:spPr>
         <p:txBody>
-          <a:bodyPr wrap="none" lIns="91440" tIns="45720" rIns="91440" bIns="45720">
+          <a:bodyPr wrap="square" lIns="91440" tIns="45720" rIns="91440" bIns="45720">
             <a:spAutoFit/>
           </a:bodyPr>
           <a:lstStyle/>
           <a:p>
-            <a:pPr algn="ctr"/>
-            <a:r>
-              <a:rPr lang="en-US" sz="7200" b="1" dirty="0" smtClean="0">
+            <a:pPr algn="ctr">
+              <a:spcAft>
+                <a:spcPts val="1200"/>
+              </a:spcAft>
+            </a:pPr>
+            <a:r>
+              <a:rPr lang="en-US" sz="4400" dirty="0" smtClean="0">
                 <a:ln w="1905"/>
                 <a:solidFill>
                   <a:srgbClr val="354077"/>
@@ -7214,9 +7481,116 @@
                   </a:outerShdw>
                 </a:effectLst>
               </a:rPr>
-              <a:t>Q &amp; A</a:t>
-            </a:r>
-            <a:endParaRPr lang="en-US" sz="7200" b="1" dirty="0">
+              <a:t>For more information:</a:t>
+            </a:r>
+            <a:endParaRPr lang="en-US" sz="2400" dirty="0" smtClean="0">
+              <a:ln w="1905"/>
+              <a:solidFill>
+                <a:srgbClr val="354077"/>
+              </a:solidFill>
+              <a:effectLst>
+                <a:outerShdw blurRad="50800" dist="38100" dir="10800000" algn="r" rotWithShape="0">
+                  <a:prstClr val="black">
+                    <a:alpha val="40000"/>
+                  </a:prstClr>
+                </a:outerShdw>
+              </a:effectLst>
+            </a:endParaRPr>
+          </a:p>
+          <a:p>
+            <a:pPr algn="ctr">
+              <a:lnSpc>
+                <a:spcPct val="200000"/>
+              </a:lnSpc>
+            </a:pPr>
+            <a:r>
+              <a:rPr lang="en-US" sz="2800" dirty="0" smtClean="0">
+                <a:ln w="1905"/>
+                <a:solidFill>
+                  <a:srgbClr val="354077"/>
+                </a:solidFill>
+                <a:effectLst>
+                  <a:outerShdw blurRad="50800" dist="38100" dir="10800000" algn="r" rotWithShape="0">
+                    <a:prstClr val="black">
+                      <a:alpha val="40000"/>
+                    </a:prstClr>
+                  </a:outerShdw>
+                </a:effectLst>
+                <a:hlinkClick r:id="rId2"/>
+              </a:rPr>
+              <a:t>https://</a:t>
+            </a:r>
+            <a:r>
+              <a:rPr lang="en-US" sz="2800" dirty="0" smtClean="0">
+                <a:ln w="1905"/>
+                <a:solidFill>
+                  <a:srgbClr val="354077"/>
+                </a:solidFill>
+                <a:effectLst>
+                  <a:outerShdw blurRad="50800" dist="38100" dir="10800000" algn="r" rotWithShape="0">
+                    <a:prstClr val="black">
+                      <a:alpha val="40000"/>
+                    </a:prstClr>
+                  </a:outerShdw>
+                </a:effectLst>
+                <a:hlinkClick r:id="rId2"/>
+              </a:rPr>
+              <a:t>github.com/onfsdn/acess_prov</a:t>
+            </a:r>
+            <a:endParaRPr lang="en-US" sz="2800" dirty="0" smtClean="0">
+              <a:ln w="1905"/>
+              <a:solidFill>
+                <a:srgbClr val="354077"/>
+              </a:solidFill>
+              <a:effectLst>
+                <a:outerShdw blurRad="50800" dist="38100" dir="10800000" algn="r" rotWithShape="0">
+                  <a:prstClr val="black">
+                    <a:alpha val="40000"/>
+                  </a:prstClr>
+                </a:outerShdw>
+              </a:effectLst>
+            </a:endParaRPr>
+          </a:p>
+          <a:p>
+            <a:pPr algn="ctr">
+              <a:lnSpc>
+                <a:spcPct val="200000"/>
+              </a:lnSpc>
+            </a:pPr>
+            <a:r>
+              <a:rPr lang="en-US" sz="2800" dirty="0" smtClean="0">
+                <a:ln w="1905"/>
+                <a:solidFill>
+                  <a:srgbClr val="354077"/>
+                </a:solidFill>
+                <a:effectLst>
+                  <a:outerShdw blurRad="50800" dist="38100" dir="10800000" algn="r" rotWithShape="0">
+                    <a:prstClr val="black">
+                      <a:alpha val="40000"/>
+                    </a:prstClr>
+                  </a:outerShdw>
+                </a:effectLst>
+                <a:hlinkClick r:id="rId3"/>
+              </a:rPr>
+              <a:t>faucet-dev@openfloorsdn.org</a:t>
+            </a:r>
+            <a:endParaRPr lang="en-US" sz="2800" dirty="0" smtClean="0">
+              <a:ln w="1905"/>
+              <a:solidFill>
+                <a:srgbClr val="354077"/>
+              </a:solidFill>
+              <a:effectLst>
+                <a:outerShdw blurRad="50800" dist="38100" dir="10800000" algn="r" rotWithShape="0">
+                  <a:prstClr val="black">
+                    <a:alpha val="40000"/>
+                  </a:prstClr>
+                </a:outerShdw>
+              </a:effectLst>
+            </a:endParaRPr>
+          </a:p>
+          <a:p>
+            <a:pPr algn="ctr"/>
+            <a:endParaRPr lang="en-US" sz="2800" dirty="0" smtClean="0">
               <a:ln w="1905"/>
               <a:solidFill>
                 <a:srgbClr val="354077"/>
@@ -7266,14 +7640,14 @@
       </p:grpSpPr>
       <p:sp>
         <p:nvSpPr>
-          <p:cNvPr id="4" name="Rectangle 3"/>
+          <p:cNvPr id="5" name="Rectangle 4"/>
           <p:cNvSpPr/>
           <p:nvPr/>
         </p:nvSpPr>
         <p:spPr>
           <a:xfrm>
-            <a:off x="228600" y="2438400"/>
-            <a:ext cx="3732112" cy="1200329"/>
+            <a:off x="3299500" y="2438400"/>
+            <a:ext cx="2771913" cy="1200329"/>
           </a:xfrm>
           <a:prstGeom prst="rect">
             <a:avLst/>
@@ -7301,7 +7675,7 @@
                   </a:outerShdw>
                 </a:effectLst>
               </a:rPr>
-              <a:t>Thanks!</a:t>
+              <a:t>Q &amp; A</a:t>
             </a:r>
             <a:endParaRPr lang="en-US" sz="7200" b="1" dirty="0">
               <a:ln w="1905"/>
@@ -7319,33 +7693,6 @@
           </a:p>
         </p:txBody>
       </p:sp>
-      <p:pic>
-        <p:nvPicPr>
-          <p:cNvPr id="5" name="Shape 124" descr="Black and white upward shot of Golden Gate Bridge"/>
-          <p:cNvPicPr preferRelativeResize="0"/>
-          <p:nvPr/>
-        </p:nvPicPr>
-        <p:blipFill rotWithShape="1">
-          <a:blip r:embed="rId2" cstate="print">
-            <a:alphaModFix/>
-          </a:blip>
-          <a:srcRect l="19071" t="9" r="4853"/>
-          <a:stretch/>
-        </p:blipFill>
-        <p:spPr>
-          <a:xfrm>
-            <a:off x="4343400" y="0"/>
-            <a:ext cx="4800600" cy="6858000"/>
-          </a:xfrm>
-          <a:prstGeom prst="rect">
-            <a:avLst/>
-          </a:prstGeom>
-          <a:noFill/>
-          <a:ln>
-            <a:noFill/>
-          </a:ln>
-        </p:spPr>
-      </p:pic>
     </p:spTree>
   </p:cSld>
   <p:clrMapOvr>
